--- a/Presentation.pptx
+++ b/Presentation.pptx
@@ -21,7 +21,8 @@
     <p:sldId id="269" r:id="rId15"/>
     <p:sldId id="271" r:id="rId16"/>
     <p:sldId id="272" r:id="rId17"/>
-    <p:sldId id="273" r:id="rId18"/>
+    <p:sldId id="274" r:id="rId18"/>
+    <p:sldId id="275" r:id="rId19"/>
   </p:sldIdLst>
   <p:sldSz cx="12192000" cy="6858000"/>
   <p:notesSz cx="6858000" cy="9144000"/>
@@ -120,6 +121,11 @@
       </a:defRPr>
     </a:lvl9pPr>
   </p:defaultTextStyle>
+  <p:extLst>
+    <p:ext uri="{EFAFB233-063F-42B5-8137-9DF3F51BA10A}">
+      <p15:sldGuideLst xmlns:p15="http://schemas.microsoft.com/office/powerpoint/2012/main"/>
+    </p:ext>
+  </p:extLst>
 </p:presentation>
 </file>
 
@@ -1278,34 +1284,34 @@
     </dgm:pt>
   </dgm:ptLst>
   <dgm:cxnLst>
+    <dgm:cxn modelId="{A7D44CFD-CC4F-48A2-B468-349B229DA73F}" type="presOf" srcId="{76671F74-AB51-4994-B254-7EF9D8A73B39}" destId="{753DDF07-48A3-4B2C-BFC1-C11C8DABEF93}" srcOrd="0" destOrd="0" presId="urn:microsoft.com/office/officeart/2005/8/layout/venn1"/>
+    <dgm:cxn modelId="{E8F53E8D-9C68-4706-86E9-17C98CA2472F}" type="presOf" srcId="{DD37B9A4-C9AC-4DC6-BBF8-A3D675C4136F}" destId="{753DDF07-48A3-4B2C-BFC1-C11C8DABEF93}" srcOrd="0" destOrd="1" presId="urn:microsoft.com/office/officeart/2005/8/layout/venn1"/>
+    <dgm:cxn modelId="{D77EF142-1FFA-4DF1-9D8D-4F5EE383EDF2}" type="presOf" srcId="{2A54845A-7335-4A21-BFE9-6ED88FC0152E}" destId="{96B99E67-F1E1-41E7-85E8-A32C5B572789}" srcOrd="1" destOrd="0" presId="urn:microsoft.com/office/officeart/2005/8/layout/venn1"/>
+    <dgm:cxn modelId="{E1A00E77-ABE3-4C14-94F7-CF68EBC3D6E3}" type="presOf" srcId="{84FECC75-B23E-45F9-A11D-34F2296F74B9}" destId="{96B99E67-F1E1-41E7-85E8-A32C5B572789}" srcOrd="1" destOrd="1" presId="urn:microsoft.com/office/officeart/2005/8/layout/venn1"/>
+    <dgm:cxn modelId="{9A22CE8B-3C8D-4744-8140-6DCE287E40C7}" type="presOf" srcId="{21A74C59-5A21-4C1C-868F-0F75343F7A84}" destId="{448340D2-A49D-41C4-B948-86D0558652A5}" srcOrd="1" destOrd="2" presId="urn:microsoft.com/office/officeart/2005/8/layout/venn1"/>
+    <dgm:cxn modelId="{57E53415-9DFB-46B2-8EEC-8F728D2D53DD}" type="presOf" srcId="{2A54845A-7335-4A21-BFE9-6ED88FC0152E}" destId="{720A1AD8-2B13-460A-9508-7A1494EB6FB8}" srcOrd="0" destOrd="0" presId="urn:microsoft.com/office/officeart/2005/8/layout/venn1"/>
+    <dgm:cxn modelId="{156CF4ED-2133-4D4D-A426-F3555D094C6F}" type="presOf" srcId="{84FECC75-B23E-45F9-A11D-34F2296F74B9}" destId="{720A1AD8-2B13-460A-9508-7A1494EB6FB8}" srcOrd="0" destOrd="1" presId="urn:microsoft.com/office/officeart/2005/8/layout/venn1"/>
+    <dgm:cxn modelId="{0EF54410-DFE9-47FB-9864-5DA80B531AA4}" type="presOf" srcId="{78A1D126-9A03-452E-A2F8-927129A12A53}" destId="{720A1AD8-2B13-460A-9508-7A1494EB6FB8}" srcOrd="0" destOrd="2" presId="urn:microsoft.com/office/officeart/2005/8/layout/venn1"/>
+    <dgm:cxn modelId="{F3B74AAE-CE3D-402B-A547-07129317F0E6}" type="presOf" srcId="{C20D2A1D-74F0-43E4-BC0B-1F7444D8B109}" destId="{753DDF07-48A3-4B2C-BFC1-C11C8DABEF93}" srcOrd="0" destOrd="4" presId="urn:microsoft.com/office/officeart/2005/8/layout/venn1"/>
+    <dgm:cxn modelId="{B62C65FE-4D15-46B9-83DF-C0C2683122C1}" srcId="{2A54845A-7335-4A21-BFE9-6ED88FC0152E}" destId="{51852DF4-2377-42C8-B16B-0FCCCB0B5B83}" srcOrd="2" destOrd="0" parTransId="{ECDBB141-7814-4156-A3AF-EE7DDA730ECA}" sibTransId="{CA47B6BE-7439-4638-890B-70B9FF81B58A}"/>
+    <dgm:cxn modelId="{D959523B-0277-4046-825D-31388D3F751B}" type="presOf" srcId="{7E164072-5421-4B79-94D2-975EA1B06481}" destId="{7A26C068-7A54-4076-96CE-37759344A0BA}" srcOrd="0" destOrd="0" presId="urn:microsoft.com/office/officeart/2005/8/layout/venn1"/>
+    <dgm:cxn modelId="{37504BCC-3A57-4660-9FA0-C148751EF395}" srcId="{7E164072-5421-4B79-94D2-975EA1B06481}" destId="{76671F74-AB51-4994-B254-7EF9D8A73B39}" srcOrd="1" destOrd="0" parTransId="{2B30D56D-2CD5-4A58-AE7B-C567096F2C61}" sibTransId="{CFCBE96A-151C-45C9-825C-D2FE355F0BFB}"/>
+    <dgm:cxn modelId="{70906673-5921-431C-8FA5-8F1BD726C7C8}" type="presOf" srcId="{D6A9BF62-E191-47E2-9029-C2C0599DAFDC}" destId="{753DDF07-48A3-4B2C-BFC1-C11C8DABEF93}" srcOrd="0" destOrd="3" presId="urn:microsoft.com/office/officeart/2005/8/layout/venn1"/>
     <dgm:cxn modelId="{6A03B3E3-4254-4135-A35A-D155D47D70A4}" srcId="{2A54845A-7335-4A21-BFE9-6ED88FC0152E}" destId="{78A1D126-9A03-452E-A2F8-927129A12A53}" srcOrd="1" destOrd="0" parTransId="{FF22C161-E8E4-4852-ABFD-54219780E244}" sibTransId="{350AD8D0-AC34-4C50-BC81-BF3CD453361E}"/>
-    <dgm:cxn modelId="{D77EF142-1FFA-4DF1-9D8D-4F5EE383EDF2}" type="presOf" srcId="{2A54845A-7335-4A21-BFE9-6ED88FC0152E}" destId="{96B99E67-F1E1-41E7-85E8-A32C5B572789}" srcOrd="1" destOrd="0" presId="urn:microsoft.com/office/officeart/2005/8/layout/venn1"/>
-    <dgm:cxn modelId="{E8F53E8D-9C68-4706-86E9-17C98CA2472F}" type="presOf" srcId="{DD37B9A4-C9AC-4DC6-BBF8-A3D675C4136F}" destId="{753DDF07-48A3-4B2C-BFC1-C11C8DABEF93}" srcOrd="0" destOrd="1" presId="urn:microsoft.com/office/officeart/2005/8/layout/venn1"/>
+    <dgm:cxn modelId="{81562FCA-17B9-41C8-B053-010A624F63C3}" type="presOf" srcId="{C20D2A1D-74F0-43E4-BC0B-1F7444D8B109}" destId="{448340D2-A49D-41C4-B948-86D0558652A5}" srcOrd="1" destOrd="4" presId="urn:microsoft.com/office/officeart/2005/8/layout/venn1"/>
+    <dgm:cxn modelId="{E1E8AC22-E819-4749-B271-CFD42DC42062}" srcId="{2A54845A-7335-4A21-BFE9-6ED88FC0152E}" destId="{84FECC75-B23E-45F9-A11D-34F2296F74B9}" srcOrd="0" destOrd="0" parTransId="{1619E350-7724-463E-B983-10AD22E850CC}" sibTransId="{462BACD5-ED5C-4C69-A48B-2188FE893A6D}"/>
+    <dgm:cxn modelId="{1E258550-424E-4465-ABF1-6156172ADF75}" type="presOf" srcId="{76671F74-AB51-4994-B254-7EF9D8A73B39}" destId="{448340D2-A49D-41C4-B948-86D0558652A5}" srcOrd="1" destOrd="0" presId="urn:microsoft.com/office/officeart/2005/8/layout/venn1"/>
+    <dgm:cxn modelId="{2E18F05B-779B-4F86-831F-C209EE728D61}" type="presOf" srcId="{78A1D126-9A03-452E-A2F8-927129A12A53}" destId="{96B99E67-F1E1-41E7-85E8-A32C5B572789}" srcOrd="1" destOrd="2" presId="urn:microsoft.com/office/officeart/2005/8/layout/venn1"/>
+    <dgm:cxn modelId="{75198916-4369-41A3-B57D-B9CFE9D9A165}" type="presOf" srcId="{51852DF4-2377-42C8-B16B-0FCCCB0B5B83}" destId="{96B99E67-F1E1-41E7-85E8-A32C5B572789}" srcOrd="1" destOrd="3" presId="urn:microsoft.com/office/officeart/2005/8/layout/venn1"/>
+    <dgm:cxn modelId="{AAAE190E-AACF-4A29-B507-372702AA017E}" srcId="{76671F74-AB51-4994-B254-7EF9D8A73B39}" destId="{DD37B9A4-C9AC-4DC6-BBF8-A3D675C4136F}" srcOrd="0" destOrd="0" parTransId="{FA62FED7-3443-441A-B83A-57AB4187AC96}" sibTransId="{B50FC204-04EC-4567-88F0-4BDEF36EFFA7}"/>
+    <dgm:cxn modelId="{1E3C6CA4-219F-4601-9FEF-5CA3751F875E}" type="presOf" srcId="{21A74C59-5A21-4C1C-868F-0F75343F7A84}" destId="{753DDF07-48A3-4B2C-BFC1-C11C8DABEF93}" srcOrd="0" destOrd="2" presId="urn:microsoft.com/office/officeart/2005/8/layout/venn1"/>
+    <dgm:cxn modelId="{7F0CE326-E467-40F6-8AA3-D404FF819BE7}" type="presOf" srcId="{DD37B9A4-C9AC-4DC6-BBF8-A3D675C4136F}" destId="{448340D2-A49D-41C4-B948-86D0558652A5}" srcOrd="1" destOrd="1" presId="urn:microsoft.com/office/officeart/2005/8/layout/venn1"/>
+    <dgm:cxn modelId="{0076BBC4-CFEE-42AA-8765-54E978DB65BC}" type="presOf" srcId="{51852DF4-2377-42C8-B16B-0FCCCB0B5B83}" destId="{720A1AD8-2B13-460A-9508-7A1494EB6FB8}" srcOrd="0" destOrd="3" presId="urn:microsoft.com/office/officeart/2005/8/layout/venn1"/>
+    <dgm:cxn modelId="{F4D6E9E0-8DE5-4CC7-8187-FF65D4FD881C}" srcId="{76671F74-AB51-4994-B254-7EF9D8A73B39}" destId="{21A74C59-5A21-4C1C-868F-0F75343F7A84}" srcOrd="1" destOrd="0" parTransId="{4743C7F4-C11C-4A27-A1DB-2B1CE371DFF7}" sibTransId="{828150DF-D4C9-4EB7-8E4A-FA12898FF5AB}"/>
+    <dgm:cxn modelId="{11788E96-A50B-4415-86FD-4E1B14D99579}" srcId="{76671F74-AB51-4994-B254-7EF9D8A73B39}" destId="{C20D2A1D-74F0-43E4-BC0B-1F7444D8B109}" srcOrd="3" destOrd="0" parTransId="{755A56E3-59BF-4636-9789-E52E367387A8}" sibTransId="{0941E43B-B480-4A61-A435-B7ACA7EA863A}"/>
     <dgm:cxn modelId="{EF56E52C-2A84-4CBA-B524-EDB41A1B703D}" srcId="{7E164072-5421-4B79-94D2-975EA1B06481}" destId="{2A54845A-7335-4A21-BFE9-6ED88FC0152E}" srcOrd="0" destOrd="0" parTransId="{0D7B3297-2544-42E6-9E73-5F1C4EFBCBE9}" sibTransId="{446BFC29-906B-4F6F-A7CF-DA451EAD8E7A}"/>
-    <dgm:cxn modelId="{70906673-5921-431C-8FA5-8F1BD726C7C8}" type="presOf" srcId="{D6A9BF62-E191-47E2-9029-C2C0599DAFDC}" destId="{753DDF07-48A3-4B2C-BFC1-C11C8DABEF93}" srcOrd="0" destOrd="3" presId="urn:microsoft.com/office/officeart/2005/8/layout/venn1"/>
-    <dgm:cxn modelId="{F4D6E9E0-8DE5-4CC7-8187-FF65D4FD881C}" srcId="{76671F74-AB51-4994-B254-7EF9D8A73B39}" destId="{21A74C59-5A21-4C1C-868F-0F75343F7A84}" srcOrd="1" destOrd="0" parTransId="{4743C7F4-C11C-4A27-A1DB-2B1CE371DFF7}" sibTransId="{828150DF-D4C9-4EB7-8E4A-FA12898FF5AB}"/>
-    <dgm:cxn modelId="{75198916-4369-41A3-B57D-B9CFE9D9A165}" type="presOf" srcId="{51852DF4-2377-42C8-B16B-0FCCCB0B5B83}" destId="{96B99E67-F1E1-41E7-85E8-A32C5B572789}" srcOrd="1" destOrd="3" presId="urn:microsoft.com/office/officeart/2005/8/layout/venn1"/>
-    <dgm:cxn modelId="{E1E8AC22-E819-4749-B271-CFD42DC42062}" srcId="{2A54845A-7335-4A21-BFE9-6ED88FC0152E}" destId="{84FECC75-B23E-45F9-A11D-34F2296F74B9}" srcOrd="0" destOrd="0" parTransId="{1619E350-7724-463E-B983-10AD22E850CC}" sibTransId="{462BACD5-ED5C-4C69-A48B-2188FE893A6D}"/>
-    <dgm:cxn modelId="{D959523B-0277-4046-825D-31388D3F751B}" type="presOf" srcId="{7E164072-5421-4B79-94D2-975EA1B06481}" destId="{7A26C068-7A54-4076-96CE-37759344A0BA}" srcOrd="0" destOrd="0" presId="urn:microsoft.com/office/officeart/2005/8/layout/venn1"/>
-    <dgm:cxn modelId="{2E18F05B-779B-4F86-831F-C209EE728D61}" type="presOf" srcId="{78A1D126-9A03-452E-A2F8-927129A12A53}" destId="{96B99E67-F1E1-41E7-85E8-A32C5B572789}" srcOrd="1" destOrd="2" presId="urn:microsoft.com/office/officeart/2005/8/layout/venn1"/>
-    <dgm:cxn modelId="{0EF54410-DFE9-47FB-9864-5DA80B531AA4}" type="presOf" srcId="{78A1D126-9A03-452E-A2F8-927129A12A53}" destId="{720A1AD8-2B13-460A-9508-7A1494EB6FB8}" srcOrd="0" destOrd="2" presId="urn:microsoft.com/office/officeart/2005/8/layout/venn1"/>
-    <dgm:cxn modelId="{11788E96-A50B-4415-86FD-4E1B14D99579}" srcId="{76671F74-AB51-4994-B254-7EF9D8A73B39}" destId="{C20D2A1D-74F0-43E4-BC0B-1F7444D8B109}" srcOrd="3" destOrd="0" parTransId="{755A56E3-59BF-4636-9789-E52E367387A8}" sibTransId="{0941E43B-B480-4A61-A435-B7ACA7EA863A}"/>
-    <dgm:cxn modelId="{A7D44CFD-CC4F-48A2-B468-349B229DA73F}" type="presOf" srcId="{76671F74-AB51-4994-B254-7EF9D8A73B39}" destId="{753DDF07-48A3-4B2C-BFC1-C11C8DABEF93}" srcOrd="0" destOrd="0" presId="urn:microsoft.com/office/officeart/2005/8/layout/venn1"/>
-    <dgm:cxn modelId="{1E3C6CA4-219F-4601-9FEF-5CA3751F875E}" type="presOf" srcId="{21A74C59-5A21-4C1C-868F-0F75343F7A84}" destId="{753DDF07-48A3-4B2C-BFC1-C11C8DABEF93}" srcOrd="0" destOrd="2" presId="urn:microsoft.com/office/officeart/2005/8/layout/venn1"/>
+    <dgm:cxn modelId="{6EB785C4-D9B2-4D61-A190-1F3D5DF7AA00}" type="presOf" srcId="{D6A9BF62-E191-47E2-9029-C2C0599DAFDC}" destId="{448340D2-A49D-41C4-B948-86D0558652A5}" srcOrd="1" destOrd="3" presId="urn:microsoft.com/office/officeart/2005/8/layout/venn1"/>
     <dgm:cxn modelId="{6E440437-8329-4D30-9A93-B7D6EE2F18C1}" srcId="{76671F74-AB51-4994-B254-7EF9D8A73B39}" destId="{D6A9BF62-E191-47E2-9029-C2C0599DAFDC}" srcOrd="2" destOrd="0" parTransId="{399BB856-6F0D-4150-AAB5-C507343BEB5B}" sibTransId="{CD23730B-45FE-4E43-93C4-10A06269A40F}"/>
-    <dgm:cxn modelId="{81562FCA-17B9-41C8-B053-010A624F63C3}" type="presOf" srcId="{C20D2A1D-74F0-43E4-BC0B-1F7444D8B109}" destId="{448340D2-A49D-41C4-B948-86D0558652A5}" srcOrd="1" destOrd="4" presId="urn:microsoft.com/office/officeart/2005/8/layout/venn1"/>
-    <dgm:cxn modelId="{1E258550-424E-4465-ABF1-6156172ADF75}" type="presOf" srcId="{76671F74-AB51-4994-B254-7EF9D8A73B39}" destId="{448340D2-A49D-41C4-B948-86D0558652A5}" srcOrd="1" destOrd="0" presId="urn:microsoft.com/office/officeart/2005/8/layout/venn1"/>
-    <dgm:cxn modelId="{B62C65FE-4D15-46B9-83DF-C0C2683122C1}" srcId="{2A54845A-7335-4A21-BFE9-6ED88FC0152E}" destId="{51852DF4-2377-42C8-B16B-0FCCCB0B5B83}" srcOrd="2" destOrd="0" parTransId="{ECDBB141-7814-4156-A3AF-EE7DDA730ECA}" sibTransId="{CA47B6BE-7439-4638-890B-70B9FF81B58A}"/>
-    <dgm:cxn modelId="{156CF4ED-2133-4D4D-A426-F3555D094C6F}" type="presOf" srcId="{84FECC75-B23E-45F9-A11D-34F2296F74B9}" destId="{720A1AD8-2B13-460A-9508-7A1494EB6FB8}" srcOrd="0" destOrd="1" presId="urn:microsoft.com/office/officeart/2005/8/layout/venn1"/>
-    <dgm:cxn modelId="{57E53415-9DFB-46B2-8EEC-8F728D2D53DD}" type="presOf" srcId="{2A54845A-7335-4A21-BFE9-6ED88FC0152E}" destId="{720A1AD8-2B13-460A-9508-7A1494EB6FB8}" srcOrd="0" destOrd="0" presId="urn:microsoft.com/office/officeart/2005/8/layout/venn1"/>
-    <dgm:cxn modelId="{AAAE190E-AACF-4A29-B507-372702AA017E}" srcId="{76671F74-AB51-4994-B254-7EF9D8A73B39}" destId="{DD37B9A4-C9AC-4DC6-BBF8-A3D675C4136F}" srcOrd="0" destOrd="0" parTransId="{FA62FED7-3443-441A-B83A-57AB4187AC96}" sibTransId="{B50FC204-04EC-4567-88F0-4BDEF36EFFA7}"/>
-    <dgm:cxn modelId="{37504BCC-3A57-4660-9FA0-C148751EF395}" srcId="{7E164072-5421-4B79-94D2-975EA1B06481}" destId="{76671F74-AB51-4994-B254-7EF9D8A73B39}" srcOrd="1" destOrd="0" parTransId="{2B30D56D-2CD5-4A58-AE7B-C567096F2C61}" sibTransId="{CFCBE96A-151C-45C9-825C-D2FE355F0BFB}"/>
-    <dgm:cxn modelId="{6EB785C4-D9B2-4D61-A190-1F3D5DF7AA00}" type="presOf" srcId="{D6A9BF62-E191-47E2-9029-C2C0599DAFDC}" destId="{448340D2-A49D-41C4-B948-86D0558652A5}" srcOrd="1" destOrd="3" presId="urn:microsoft.com/office/officeart/2005/8/layout/venn1"/>
-    <dgm:cxn modelId="{E1A00E77-ABE3-4C14-94F7-CF68EBC3D6E3}" type="presOf" srcId="{84FECC75-B23E-45F9-A11D-34F2296F74B9}" destId="{96B99E67-F1E1-41E7-85E8-A32C5B572789}" srcOrd="1" destOrd="1" presId="urn:microsoft.com/office/officeart/2005/8/layout/venn1"/>
-    <dgm:cxn modelId="{0076BBC4-CFEE-42AA-8765-54E978DB65BC}" type="presOf" srcId="{51852DF4-2377-42C8-B16B-0FCCCB0B5B83}" destId="{720A1AD8-2B13-460A-9508-7A1494EB6FB8}" srcOrd="0" destOrd="3" presId="urn:microsoft.com/office/officeart/2005/8/layout/venn1"/>
-    <dgm:cxn modelId="{7F0CE326-E467-40F6-8AA3-D404FF819BE7}" type="presOf" srcId="{DD37B9A4-C9AC-4DC6-BBF8-A3D675C4136F}" destId="{448340D2-A49D-41C4-B948-86D0558652A5}" srcOrd="1" destOrd="1" presId="urn:microsoft.com/office/officeart/2005/8/layout/venn1"/>
-    <dgm:cxn modelId="{F3B74AAE-CE3D-402B-A547-07129317F0E6}" type="presOf" srcId="{C20D2A1D-74F0-43E4-BC0B-1F7444D8B109}" destId="{753DDF07-48A3-4B2C-BFC1-C11C8DABEF93}" srcOrd="0" destOrd="4" presId="urn:microsoft.com/office/officeart/2005/8/layout/venn1"/>
-    <dgm:cxn modelId="{9A22CE8B-3C8D-4744-8140-6DCE287E40C7}" type="presOf" srcId="{21A74C59-5A21-4C1C-868F-0F75343F7A84}" destId="{448340D2-A49D-41C4-B948-86D0558652A5}" srcOrd="1" destOrd="2" presId="urn:microsoft.com/office/officeart/2005/8/layout/venn1"/>
     <dgm:cxn modelId="{39A15B7C-42E1-439B-8772-A91BBFD34D9A}" type="presParOf" srcId="{7A26C068-7A54-4076-96CE-37759344A0BA}" destId="{720A1AD8-2B13-460A-9508-7A1494EB6FB8}" srcOrd="0" destOrd="0" presId="urn:microsoft.com/office/officeart/2005/8/layout/venn1"/>
     <dgm:cxn modelId="{35C25414-F685-4AA7-AF9D-ED31C688FA12}" type="presParOf" srcId="{7A26C068-7A54-4076-96CE-37759344A0BA}" destId="{96B99E67-F1E1-41E7-85E8-A32C5B572789}" srcOrd="1" destOrd="0" presId="urn:microsoft.com/office/officeart/2005/8/layout/venn1"/>
     <dgm:cxn modelId="{6073DBAF-4189-4FC3-8042-BD086B681214}" type="presParOf" srcId="{7A26C068-7A54-4076-96CE-37759344A0BA}" destId="{753DDF07-48A3-4B2C-BFC1-C11C8DABEF93}" srcOrd="2" destOrd="0" presId="urn:microsoft.com/office/officeart/2005/8/layout/venn1"/>
@@ -1329,315 +1335,6 @@
       <dsp:cNvGrpSpPr/>
     </dsp:nvGrpSpPr>
     <dsp:grpSpPr/>
-    <dsp:sp modelId="{720A1AD8-2B13-460A-9508-7A1494EB6FB8}">
-      <dsp:nvSpPr>
-        <dsp:cNvPr id="0" name=""/>
-        <dsp:cNvSpPr/>
-      </dsp:nvSpPr>
-      <dsp:spPr>
-        <a:xfrm>
-          <a:off x="241709" y="23861"/>
-          <a:ext cx="4362400" cy="4362400"/>
-        </a:xfrm>
-        <a:prstGeom prst="ellipse">
-          <a:avLst/>
-        </a:prstGeom>
-        <a:gradFill rotWithShape="0">
-          <a:gsLst>
-            <a:gs pos="0">
-              <a:schemeClr val="accent1">
-                <a:alpha val="50000"/>
-                <a:hueOff val="0"/>
-                <a:satOff val="0"/>
-                <a:lumOff val="0"/>
-                <a:alphaOff val="0"/>
-                <a:tint val="98000"/>
-                <a:lumMod val="114000"/>
-              </a:schemeClr>
-            </a:gs>
-            <a:gs pos="100000">
-              <a:schemeClr val="accent1">
-                <a:alpha val="50000"/>
-                <a:hueOff val="0"/>
-                <a:satOff val="0"/>
-                <a:lumOff val="0"/>
-                <a:alphaOff val="0"/>
-                <a:shade val="90000"/>
-                <a:lumMod val="84000"/>
-              </a:schemeClr>
-            </a:gs>
-          </a:gsLst>
-          <a:lin ang="5400000" scaled="0"/>
-        </a:gradFill>
-        <a:ln>
-          <a:noFill/>
-        </a:ln>
-        <a:effectLst/>
-      </dsp:spPr>
-      <dsp:style>
-        <a:lnRef idx="0">
-          <a:scrgbClr r="0" g="0" b="0"/>
-        </a:lnRef>
-        <a:fillRef idx="3">
-          <a:scrgbClr r="0" g="0" b="0"/>
-        </a:fillRef>
-        <a:effectRef idx="0">
-          <a:scrgbClr r="0" g="0" b="0"/>
-        </a:effectRef>
-        <a:fontRef idx="minor">
-          <a:schemeClr val="tx1"/>
-        </a:fontRef>
-      </dsp:style>
-      <dsp:txBody>
-        <a:bodyPr spcFirstLastPara="0" vert="horz" wrap="square" lIns="0" tIns="0" rIns="0" bIns="0" numCol="1" spcCol="1270" anchor="ctr" anchorCtr="1">
-          <a:noAutofit/>
-        </a:bodyPr>
-        <a:lstStyle/>
-        <a:p>
-          <a:pPr lvl="0" algn="l" defTabSz="1244600">
-            <a:lnSpc>
-              <a:spcPct val="90000"/>
-            </a:lnSpc>
-            <a:spcBef>
-              <a:spcPct val="0"/>
-            </a:spcBef>
-            <a:spcAft>
-              <a:spcPct val="35000"/>
-            </a:spcAft>
-          </a:pPr>
-          <a:r>
-            <a:rPr lang="en-US" sz="2800" kern="1200" dirty="0" smtClean="0"/>
-            <a:t>Relational</a:t>
-          </a:r>
-          <a:endParaRPr lang="en-US" sz="2800" kern="1200" dirty="0"/>
-        </a:p>
-        <a:p>
-          <a:pPr marL="228600" lvl="1" indent="-228600" algn="l" defTabSz="977900">
-            <a:lnSpc>
-              <a:spcPct val="90000"/>
-            </a:lnSpc>
-            <a:spcBef>
-              <a:spcPct val="0"/>
-            </a:spcBef>
-            <a:spcAft>
-              <a:spcPct val="15000"/>
-            </a:spcAft>
-            <a:buChar char="••"/>
-          </a:pPr>
-          <a:r>
-            <a:rPr lang="en-US" sz="2200" kern="1200" dirty="0" smtClean="0"/>
-            <a:t>Mature development tools</a:t>
-          </a:r>
-          <a:endParaRPr lang="en-US" sz="2200" kern="1200" dirty="0"/>
-        </a:p>
-        <a:p>
-          <a:pPr marL="228600" lvl="1" indent="-228600" algn="l" defTabSz="977900">
-            <a:lnSpc>
-              <a:spcPct val="90000"/>
-            </a:lnSpc>
-            <a:spcBef>
-              <a:spcPct val="0"/>
-            </a:spcBef>
-            <a:spcAft>
-              <a:spcPct val="15000"/>
-            </a:spcAft>
-            <a:buChar char="••"/>
-          </a:pPr>
-          <a:r>
-            <a:rPr lang="en-US" sz="2200" kern="1200" dirty="0" smtClean="0"/>
-            <a:t>Relationships through foreign keys</a:t>
-          </a:r>
-          <a:endParaRPr lang="en-US" sz="2200" kern="1200" dirty="0"/>
-        </a:p>
-        <a:p>
-          <a:pPr marL="228600" lvl="1" indent="-228600" algn="l" defTabSz="977900">
-            <a:lnSpc>
-              <a:spcPct val="90000"/>
-            </a:lnSpc>
-            <a:spcBef>
-              <a:spcPct val="0"/>
-            </a:spcBef>
-            <a:spcAft>
-              <a:spcPct val="15000"/>
-            </a:spcAft>
-            <a:buChar char="••"/>
-          </a:pPr>
-          <a:r>
-            <a:rPr lang="en-US" sz="2200" kern="1200" dirty="0" smtClean="0"/>
-            <a:t>Difficulty in combining data</a:t>
-          </a:r>
-          <a:endParaRPr lang="en-US" sz="2200" kern="1200" dirty="0"/>
-        </a:p>
-      </dsp:txBody>
-      <dsp:txXfrm>
-        <a:off x="850873" y="538282"/>
-        <a:ext cx="2515258" cy="3333559"/>
-      </dsp:txXfrm>
-    </dsp:sp>
-    <dsp:sp modelId="{753DDF07-48A3-4B2C-BFC1-C11C8DABEF93}">
-      <dsp:nvSpPr>
-        <dsp:cNvPr id="0" name=""/>
-        <dsp:cNvSpPr/>
-      </dsp:nvSpPr>
-      <dsp:spPr>
-        <a:xfrm>
-          <a:off x="5468566" y="23861"/>
-          <a:ext cx="4362400" cy="4362400"/>
-        </a:xfrm>
-        <a:prstGeom prst="ellipse">
-          <a:avLst/>
-        </a:prstGeom>
-        <a:gradFill rotWithShape="0">
-          <a:gsLst>
-            <a:gs pos="0">
-              <a:schemeClr val="accent1">
-                <a:alpha val="50000"/>
-                <a:hueOff val="0"/>
-                <a:satOff val="0"/>
-                <a:lumOff val="0"/>
-                <a:alphaOff val="0"/>
-                <a:tint val="98000"/>
-                <a:lumMod val="114000"/>
-              </a:schemeClr>
-            </a:gs>
-            <a:gs pos="100000">
-              <a:schemeClr val="accent1">
-                <a:alpha val="50000"/>
-                <a:hueOff val="0"/>
-                <a:satOff val="0"/>
-                <a:lumOff val="0"/>
-                <a:alphaOff val="0"/>
-                <a:shade val="90000"/>
-                <a:lumMod val="84000"/>
-              </a:schemeClr>
-            </a:gs>
-          </a:gsLst>
-          <a:lin ang="5400000" scaled="0"/>
-        </a:gradFill>
-        <a:ln>
-          <a:noFill/>
-        </a:ln>
-        <a:effectLst/>
-      </dsp:spPr>
-      <dsp:style>
-        <a:lnRef idx="0">
-          <a:scrgbClr r="0" g="0" b="0"/>
-        </a:lnRef>
-        <a:fillRef idx="3">
-          <a:scrgbClr r="0" g="0" b="0"/>
-        </a:fillRef>
-        <a:effectRef idx="0">
-          <a:scrgbClr r="0" g="0" b="0"/>
-        </a:effectRef>
-        <a:fontRef idx="minor">
-          <a:schemeClr val="tx1"/>
-        </a:fontRef>
-      </dsp:style>
-      <dsp:txBody>
-        <a:bodyPr spcFirstLastPara="0" vert="horz" wrap="square" lIns="0" tIns="0" rIns="0" bIns="0" numCol="1" spcCol="1270" anchor="ctr" anchorCtr="1">
-          <a:noAutofit/>
-        </a:bodyPr>
-        <a:lstStyle/>
-        <a:p>
-          <a:pPr lvl="0" algn="l" defTabSz="1244600">
-            <a:lnSpc>
-              <a:spcPct val="90000"/>
-            </a:lnSpc>
-            <a:spcBef>
-              <a:spcPct val="0"/>
-            </a:spcBef>
-            <a:spcAft>
-              <a:spcPct val="35000"/>
-            </a:spcAft>
-          </a:pPr>
-          <a:r>
-            <a:rPr lang="en-US" sz="2800" kern="1200" dirty="0" smtClean="0"/>
-            <a:t>SIM</a:t>
-          </a:r>
-          <a:endParaRPr lang="en-US" sz="2800" kern="1200" dirty="0"/>
-        </a:p>
-        <a:p>
-          <a:pPr marL="228600" lvl="1" indent="-228600" algn="l" defTabSz="977900">
-            <a:lnSpc>
-              <a:spcPct val="90000"/>
-            </a:lnSpc>
-            <a:spcBef>
-              <a:spcPct val="0"/>
-            </a:spcBef>
-            <a:spcAft>
-              <a:spcPct val="15000"/>
-            </a:spcAft>
-            <a:buChar char="••"/>
-          </a:pPr>
-          <a:r>
-            <a:rPr lang="en-US" sz="2200" kern="1200" dirty="0" smtClean="0"/>
-            <a:t>True logical relationships</a:t>
-          </a:r>
-          <a:endParaRPr lang="en-US" sz="2200" kern="1200" dirty="0"/>
-        </a:p>
-        <a:p>
-          <a:pPr marL="228600" lvl="1" indent="-228600" algn="l" defTabSz="977900">
-            <a:lnSpc>
-              <a:spcPct val="90000"/>
-            </a:lnSpc>
-            <a:spcBef>
-              <a:spcPct val="0"/>
-            </a:spcBef>
-            <a:spcAft>
-              <a:spcPct val="15000"/>
-            </a:spcAft>
-            <a:buChar char="••"/>
-          </a:pPr>
-          <a:r>
-            <a:rPr lang="en-US" sz="2200" kern="1200" dirty="0" smtClean="0"/>
-            <a:t>Object Oriented</a:t>
-          </a:r>
-          <a:endParaRPr lang="en-US" sz="2200" kern="1200" dirty="0"/>
-        </a:p>
-        <a:p>
-          <a:pPr marL="228600" lvl="1" indent="-228600" algn="l" defTabSz="977900">
-            <a:lnSpc>
-              <a:spcPct val="90000"/>
-            </a:lnSpc>
-            <a:spcBef>
-              <a:spcPct val="0"/>
-            </a:spcBef>
-            <a:spcAft>
-              <a:spcPct val="15000"/>
-            </a:spcAft>
-            <a:buChar char="••"/>
-          </a:pPr>
-          <a:r>
-            <a:rPr lang="en-US" sz="2200" kern="1200" dirty="0" smtClean="0"/>
-            <a:t>Intuitive relationship data combination</a:t>
-          </a:r>
-          <a:endParaRPr lang="en-US" sz="2200" kern="1200" dirty="0"/>
-        </a:p>
-        <a:p>
-          <a:pPr marL="228600" lvl="1" indent="-228600" algn="l" defTabSz="977900">
-            <a:lnSpc>
-              <a:spcPct val="90000"/>
-            </a:lnSpc>
-            <a:spcBef>
-              <a:spcPct val="0"/>
-            </a:spcBef>
-            <a:spcAft>
-              <a:spcPct val="15000"/>
-            </a:spcAft>
-            <a:buChar char="••"/>
-          </a:pPr>
-          <a:r>
-            <a:rPr lang="en-US" sz="2200" kern="1200" dirty="0" err="1" smtClean="0"/>
-            <a:t>SIMple</a:t>
-          </a:r>
-          <a:endParaRPr lang="en-US" sz="2200" kern="1200" dirty="0"/>
-        </a:p>
-      </dsp:txBody>
-      <dsp:txXfrm>
-        <a:off x="6706545" y="538282"/>
-        <a:ext cx="2515258" cy="3333559"/>
-      </dsp:txXfrm>
-    </dsp:sp>
   </dsp:spTree>
 </dsp:drawing>
 </file>
@@ -10166,7 +9863,7 @@
           <a:p>
             <a:r>
               <a:rPr lang="en-US" dirty="0" smtClean="0"/>
-              <a:t>Project Links</a:t>
+              <a:t>Apex Bugs</a:t>
             </a:r>
             <a:endParaRPr lang="en-US" dirty="0"/>
           </a:p>
@@ -10182,54 +9879,156 @@
             <p:ph idx="1"/>
           </p:nvPr>
         </p:nvSpPr>
-        <p:spPr>
-          <a:xfrm>
-            <a:off x="1103312" y="2052918"/>
-            <a:ext cx="9130934" cy="4195481"/>
-          </a:xfrm>
-        </p:spPr>
-        <p:txBody>
-          <a:bodyPr/>
+        <p:spPr/>
+        <p:txBody>
+          <a:bodyPr>
+            <a:normAutofit fontScale="92500"/>
+          </a:bodyPr>
           <a:lstStyle/>
           <a:p>
             <a:r>
-              <a:rPr lang="en-US" dirty="0" smtClean="0">
-                <a:hlinkClick r:id="rId2"/>
-              </a:rPr>
-              <a:t>Part 1 Apex Application</a:t>
-            </a:r>
-            <a:endParaRPr lang="en-US" dirty="0" smtClean="0"/>
-          </a:p>
-          <a:p>
-            <a:r>
-              <a:rPr lang="en-US" dirty="0" smtClean="0">
-                <a:hlinkClick r:id="rId3"/>
-              </a:rPr>
-              <a:t>Part 2 Apex Application</a:t>
-            </a:r>
-            <a:endParaRPr lang="en-US" dirty="0" smtClean="0"/>
-          </a:p>
-          <a:p>
-            <a:r>
-              <a:rPr lang="en-US" dirty="0" err="1" smtClean="0">
-                <a:hlinkClick r:id="rId4"/>
-              </a:rPr>
-              <a:t>Github</a:t>
-            </a:r>
-            <a:r>
-              <a:rPr lang="en-US" dirty="0" smtClean="0">
-                <a:hlinkClick r:id="rId4"/>
-              </a:rPr>
-              <a:t> Page</a:t>
-            </a:r>
-            <a:endParaRPr lang="en-US" dirty="0" smtClean="0"/>
+              <a:rPr lang="en-US" dirty="0" smtClean="0"/>
+              <a:t>When creating a process, changing the select list from “</a:t>
+            </a:r>
+            <a:r>
+              <a:rPr lang="en-US" dirty="0" err="1" smtClean="0"/>
+              <a:t>pl</a:t>
+            </a:r>
+            <a:r>
+              <a:rPr lang="en-US" dirty="0" smtClean="0"/>
+              <a:t>/</a:t>
+            </a:r>
+            <a:r>
+              <a:rPr lang="en-US" dirty="0" err="1" smtClean="0"/>
+              <a:t>sql</a:t>
+            </a:r>
+            <a:r>
+              <a:rPr lang="en-US" dirty="0" smtClean="0"/>
+              <a:t>” to “web service” will not change the dialog and will create an error that stops the page from being saved. Our workaround was to change it to “tabular forms” then to “web service”</a:t>
+            </a:r>
+          </a:p>
+          <a:p>
+            <a:r>
+              <a:rPr lang="en-US" dirty="0" smtClean="0"/>
+              <a:t>When using a page item as a source for the rest “web service” query parameter, the query parameter would inconsistently reflect the value of the page item if the page item was updated after page load. This was counterintuitive because the “web service” process was triggered by page submit and the page item was set prior to page submit.</a:t>
+            </a:r>
+          </a:p>
+          <a:p>
+            <a:r>
+              <a:rPr lang="en-US" dirty="0" smtClean="0"/>
+              <a:t>Seemingly randomly, web service processes would not have the header values set even when sourced by global page items. Closing all web browsers and re-navigating to apex seemed to fix this issue but if only one of multiple apex instances was closed the issue would persist.</a:t>
+            </a:r>
+            <a:endParaRPr lang="en-US" dirty="0"/>
           </a:p>
         </p:txBody>
       </p:sp>
     </p:spTree>
     <p:extLst>
       <p:ext uri="{BB962C8B-B14F-4D97-AF65-F5344CB8AC3E}">
-        <p14:creationId xmlns:p14="http://schemas.microsoft.com/office/powerpoint/2010/main" val="917989669"/>
+        <p14:creationId xmlns:p14="http://schemas.microsoft.com/office/powerpoint/2010/main" val="2330797934"/>
+      </p:ext>
+    </p:extLst>
+  </p:cSld>
+  <p:clrMapOvr>
+    <a:masterClrMapping/>
+  </p:clrMapOvr>
+  <p:timing>
+    <p:tnLst>
+      <p:par>
+        <p:cTn id="1" dur="indefinite" restart="never" nodeType="tmRoot"/>
+      </p:par>
+    </p:tnLst>
+  </p:timing>
+</p:sld>
+</file>
+
+<file path=ppt/slides/slide18.xml><?xml version="1.0" encoding="utf-8"?>
+<p:sld xmlns:a="http://schemas.openxmlformats.org/drawingml/2006/main" xmlns:r="http://schemas.openxmlformats.org/officeDocument/2006/relationships" xmlns:p="http://schemas.openxmlformats.org/presentationml/2006/main">
+  <p:cSld>
+    <p:spTree>
+      <p:nvGrpSpPr>
+        <p:cNvPr id="1" name=""/>
+        <p:cNvGrpSpPr/>
+        <p:nvPr/>
+      </p:nvGrpSpPr>
+      <p:grpSpPr>
+        <a:xfrm>
+          <a:off x="0" y="0"/>
+          <a:ext cx="0" cy="0"/>
+          <a:chOff x="0" y="0"/>
+          <a:chExt cx="0" cy="0"/>
+        </a:xfrm>
+      </p:grpSpPr>
+      <p:sp>
+        <p:nvSpPr>
+          <p:cNvPr id="2" name="Title 1"/>
+          <p:cNvSpPr>
+            <a:spLocks noGrp="1"/>
+          </p:cNvSpPr>
+          <p:nvPr>
+            <p:ph type="title"/>
+          </p:nvPr>
+        </p:nvSpPr>
+        <p:spPr/>
+        <p:txBody>
+          <a:bodyPr/>
+          <a:lstStyle/>
+          <a:p>
+            <a:r>
+              <a:rPr lang="en-US" dirty="0" smtClean="0"/>
+              <a:t>Sim/Carnot bugs</a:t>
+            </a:r>
+            <a:endParaRPr lang="en-US" dirty="0"/>
+          </a:p>
+        </p:txBody>
+      </p:sp>
+      <p:sp>
+        <p:nvSpPr>
+          <p:cNvPr id="3" name="Content Placeholder 2"/>
+          <p:cNvSpPr>
+            <a:spLocks noGrp="1"/>
+          </p:cNvSpPr>
+          <p:nvPr>
+            <p:ph idx="1"/>
+          </p:nvPr>
+        </p:nvSpPr>
+        <p:spPr/>
+        <p:txBody>
+          <a:bodyPr/>
+          <a:lstStyle/>
+          <a:p>
+            <a:r>
+              <a:rPr lang="en-US" dirty="0" smtClean="0"/>
+              <a:t>Using the modify keyword to create relationships inconsistently causes errors and null pointer exceptions, but will also create the relationships properly despite the errors.</a:t>
+            </a:r>
+          </a:p>
+          <a:p>
+            <a:r>
+              <a:rPr lang="en-US" dirty="0" smtClean="0"/>
+              <a:t>When using the modify keyword to create relationships through the rest form, it will not execute the instruction unless the </a:t>
+            </a:r>
+            <a:r>
+              <a:rPr lang="en-US" dirty="0" err="1" smtClean="0"/>
+              <a:t>returnFor</a:t>
+            </a:r>
+            <a:r>
+              <a:rPr lang="en-US" dirty="0" smtClean="0"/>
+              <a:t> header value is null.</a:t>
+            </a:r>
+          </a:p>
+          <a:p>
+            <a:r>
+              <a:rPr lang="en-US" dirty="0" smtClean="0"/>
+              <a:t>Supplying multiple semi-colon separated sim statements as a query parameter to a rest service will only execute the first statement.</a:t>
+            </a:r>
+            <a:endParaRPr lang="en-US" dirty="0"/>
+          </a:p>
+        </p:txBody>
+      </p:sp>
+    </p:spTree>
+    <p:extLst>
+      <p:ext uri="{BB962C8B-B14F-4D97-AF65-F5344CB8AC3E}">
+        <p14:creationId xmlns:p14="http://schemas.microsoft.com/office/powerpoint/2010/main" val="3424802797"/>
       </p:ext>
     </p:extLst>
   </p:cSld>
